--- a/3 Data Visualization/Assignment Files/Final Project/Final Project Files Good Copies/Matthew Heino DSCI 605 Final Report.pptx
+++ b/3 Data Visualization/Assignment Files/Final Project/Final Project Files Good Copies/Matthew Heino DSCI 605 Final Report.pptx
@@ -5,10 +5,10 @@
     <p:sldMasterId id="2147483648" r:id="rId4"/>
   </p:sldMasterIdLst>
   <p:notesMasterIdLst>
-    <p:notesMasterId r:id="rId18"/>
+    <p:notesMasterId r:id="rId23"/>
   </p:notesMasterIdLst>
   <p:handoutMasterIdLst>
-    <p:handoutMasterId r:id="rId19"/>
+    <p:handoutMasterId r:id="rId24"/>
   </p:handoutMasterIdLst>
   <p:sldIdLst>
     <p:sldId id="310" r:id="rId5"/>
@@ -24,6 +24,11 @@
     <p:sldId id="319" r:id="rId15"/>
     <p:sldId id="320" r:id="rId16"/>
     <p:sldId id="321" r:id="rId17"/>
+    <p:sldId id="326" r:id="rId18"/>
+    <p:sldId id="324" r:id="rId19"/>
+    <p:sldId id="325" r:id="rId20"/>
+    <p:sldId id="323" r:id="rId21"/>
+    <p:sldId id="322" r:id="rId22"/>
   </p:sldIdLst>
   <p:sldSz cx="12192000" cy="6858000"/>
   <p:notesSz cx="6858000" cy="9144000"/>
@@ -5925,8 +5930,8 @@
         </p:nvSpPr>
         <p:spPr>
           <a:xfrm>
-            <a:off x="1199909" y="1143000"/>
-            <a:ext cx="9792182" cy="3379808"/>
+            <a:off x="669036" y="786384"/>
+            <a:ext cx="10853928" cy="4330784"/>
           </a:xfrm>
         </p:spPr>
         <p:txBody>
@@ -5935,7 +5940,7 @@
           <a:p>
             <a:r>
               <a:rPr lang="en-US" dirty="0"/>
-              <a:t>Crime Rate and Unemployment Rate</a:t>
+              <a:t>Temporal-spatial changes of the unemployment rate in the contiguous USA</a:t>
             </a:r>
             <a:br>
               <a:rPr lang="en-US" dirty="0"/>
@@ -6121,7 +6126,15 @@
             </a:pPr>
             <a:r>
               <a:rPr lang="en-US" dirty="0"/>
-              <a:t>Read the data from the CSV files into individual data frames. Section: 3.0.1 :</a:t>
+              <a:t>Read the data from the CSV files into individual data frames. </a:t>
+            </a:r>
+            <a:r>
+              <a:rPr lang="en-US" b="1" dirty="0"/>
+              <a:t>Section: 3.0.1 </a:t>
+            </a:r>
+            <a:r>
+              <a:rPr lang="en-US" dirty="0"/>
+              <a:t>:</a:t>
             </a:r>
           </a:p>
           <a:p>
@@ -6352,7 +6365,15 @@
             </a:pPr>
             <a:r>
               <a:rPr lang="en-US" dirty="0"/>
-              <a:t>Read the data from the CSV files into individual data frames. Section: 3.0.1 :</a:t>
+              <a:t>Read the data from the CSV files into individual data frames. </a:t>
+            </a:r>
+            <a:r>
+              <a:rPr lang="en-US" b="1" dirty="0"/>
+              <a:t>Section: 3.0.1 </a:t>
+            </a:r>
+            <a:r>
+              <a:rPr lang="en-US" dirty="0"/>
+              <a:t>:</a:t>
             </a:r>
           </a:p>
           <a:p>
@@ -6612,7 +6633,7 @@
         </p:nvSpPr>
         <p:spPr>
           <a:xfrm>
-            <a:off x="859537" y="128016"/>
+            <a:off x="1997395" y="177200"/>
             <a:ext cx="4352081" cy="649224"/>
           </a:xfrm>
         </p:spPr>
@@ -6621,10 +6642,9 @@
           <a:lstStyle/>
           <a:p>
             <a:r>
-              <a:rPr lang="en-US"/>
-              <a:t>Processing</a:t>
-            </a:r>
-            <a:endParaRPr lang="en-US" dirty="0"/>
+              <a:rPr lang="en-US" dirty="0"/>
+              <a:t>Processing The Data</a:t>
+            </a:r>
           </a:p>
         </p:txBody>
       </p:sp>
@@ -6651,8 +6671,8 @@
         </p:blipFill>
         <p:spPr>
           <a:xfrm>
-            <a:off x="6789480" y="0"/>
-            <a:ext cx="5394960" cy="6858000"/>
+            <a:off x="9564914" y="0"/>
+            <a:ext cx="2619526" cy="6858000"/>
           </a:xfrm>
         </p:spPr>
       </p:pic>
@@ -6693,10 +6713,724 @@
       </p:sp>
       <p:sp>
         <p:nvSpPr>
+          <p:cNvPr id="4" name="TextBox 3">
+            <a:extLst>
+              <a:ext uri="{FF2B5EF4-FFF2-40B4-BE49-F238E27FC236}">
+                <a16:creationId xmlns:a16="http://schemas.microsoft.com/office/drawing/2014/main" id="{3DD73910-DC99-FC30-2DB1-C800B39FEB26}"/>
+              </a:ext>
+            </a:extLst>
+          </p:cNvPr>
+          <p:cNvSpPr txBox="1"/>
+          <p:nvPr/>
+        </p:nvSpPr>
+        <p:spPr>
+          <a:xfrm>
+            <a:off x="377836" y="826424"/>
+            <a:ext cx="8882278" cy="6647974"/>
+          </a:xfrm>
+          <a:prstGeom prst="rect">
+            <a:avLst/>
+          </a:prstGeom>
+          <a:noFill/>
+        </p:spPr>
+        <p:txBody>
+          <a:bodyPr wrap="square" rtlCol="0">
+            <a:spAutoFit/>
+          </a:bodyPr>
+          <a:lstStyle/>
+          <a:p>
+            <a:pPr>
+              <a:lnSpc>
+                <a:spcPct val="150000"/>
+              </a:lnSpc>
+            </a:pPr>
+            <a:r>
+              <a:rPr lang="en-US" sz="2000" dirty="0"/>
+              <a:t>The data was not in a state where it could be used.  The following steps were performed to get the data into a usable state for analysis.</a:t>
+            </a:r>
+          </a:p>
+          <a:p>
+            <a:pPr>
+              <a:lnSpc>
+                <a:spcPct val="150000"/>
+              </a:lnSpc>
+            </a:pPr>
+            <a:r>
+              <a:rPr lang="en-US" sz="2000" b="1" dirty="0"/>
+              <a:t>Steps</a:t>
+            </a:r>
+            <a:r>
+              <a:rPr lang="en-US" sz="2000" dirty="0"/>
+              <a:t>:</a:t>
+            </a:r>
+          </a:p>
+          <a:p>
+            <a:pPr marL="285750" indent="-285750">
+              <a:lnSpc>
+                <a:spcPct val="150000"/>
+              </a:lnSpc>
+              <a:buFont typeface="Arial" panose="020B0604020202020204" pitchFamily="34" charset="0"/>
+              <a:buChar char="•"/>
+            </a:pPr>
+            <a:r>
+              <a:rPr lang="en-US" sz="2000" dirty="0"/>
+              <a:t>State polygons (file)</a:t>
+            </a:r>
+          </a:p>
+          <a:p>
+            <a:pPr marL="742950" lvl="1" indent="-285750">
+              <a:lnSpc>
+                <a:spcPct val="150000"/>
+              </a:lnSpc>
+              <a:buFont typeface="Arial" panose="020B0604020202020204" pitchFamily="34" charset="0"/>
+              <a:buChar char="•"/>
+            </a:pPr>
+            <a:r>
+              <a:rPr lang="en-US" sz="2000" dirty="0"/>
+              <a:t>remove some states that are not part of the contiguous USA</a:t>
+            </a:r>
+          </a:p>
+          <a:p>
+            <a:pPr marL="285750" indent="-285750">
+              <a:lnSpc>
+                <a:spcPct val="150000"/>
+              </a:lnSpc>
+              <a:buFont typeface="Arial" panose="020B0604020202020204" pitchFamily="34" charset="0"/>
+              <a:buChar char="•"/>
+            </a:pPr>
+            <a:r>
+              <a:rPr lang="en-US" sz="2000" dirty="0"/>
+              <a:t>unemployment_county (file)</a:t>
+            </a:r>
+          </a:p>
+          <a:p>
+            <a:pPr marL="742950" lvl="1" indent="-285750">
+              <a:lnSpc>
+                <a:spcPct val="150000"/>
+              </a:lnSpc>
+              <a:buFont typeface="Arial" panose="020B0604020202020204" pitchFamily="34" charset="0"/>
+              <a:buChar char="•"/>
+            </a:pPr>
+            <a:r>
+              <a:rPr lang="en-US" sz="2000" dirty="0"/>
+              <a:t>remove some states that are not part of the contiguous USA</a:t>
+            </a:r>
+          </a:p>
+          <a:p>
+            <a:pPr marL="742950" lvl="1" indent="-285750">
+              <a:lnSpc>
+                <a:spcPct val="150000"/>
+              </a:lnSpc>
+              <a:buFont typeface="Arial" panose="020B0604020202020204" pitchFamily="34" charset="0"/>
+              <a:buChar char="•"/>
+            </a:pPr>
+            <a:r>
+              <a:rPr lang="en-US" sz="2000" dirty="0"/>
+              <a:t>rename the state column </a:t>
+            </a:r>
+          </a:p>
+          <a:p>
+            <a:pPr marL="742950" lvl="1" indent="-285750">
+              <a:lnSpc>
+                <a:spcPct val="150000"/>
+              </a:lnSpc>
+              <a:buFont typeface="Arial" panose="020B0604020202020204" pitchFamily="34" charset="0"/>
+              <a:buChar char="•"/>
+            </a:pPr>
+            <a:r>
+              <a:rPr lang="en-US" sz="2000" dirty="0"/>
+              <a:t>filter years: 2007-2014</a:t>
+            </a:r>
+          </a:p>
+          <a:p>
+            <a:pPr marL="285750" indent="-285750">
+              <a:lnSpc>
+                <a:spcPct val="150000"/>
+              </a:lnSpc>
+              <a:buFont typeface="Arial" panose="020B0604020202020204" pitchFamily="34" charset="0"/>
+              <a:buChar char="•"/>
+            </a:pPr>
+            <a:r>
+              <a:rPr lang="en-US" sz="2000" dirty="0" err="1"/>
+              <a:t>crime_and_incarceration_by_state</a:t>
+            </a:r>
+            <a:r>
+              <a:rPr lang="en-US" sz="2000" dirty="0"/>
+              <a:t> (file)</a:t>
+            </a:r>
+          </a:p>
+          <a:p>
+            <a:pPr marL="742950" lvl="1" indent="-285750">
+              <a:lnSpc>
+                <a:spcPct val="150000"/>
+              </a:lnSpc>
+              <a:buFont typeface="Arial" panose="020B0604020202020204" pitchFamily="34" charset="0"/>
+              <a:buChar char="•"/>
+            </a:pPr>
+            <a:r>
+              <a:rPr lang="en-US" sz="2000" dirty="0"/>
+              <a:t>change state column name. </a:t>
+            </a:r>
+          </a:p>
+          <a:p>
+            <a:pPr marL="742950" lvl="1" indent="-285750">
+              <a:lnSpc>
+                <a:spcPct val="150000"/>
+              </a:lnSpc>
+              <a:buFont typeface="Arial" panose="020B0604020202020204" pitchFamily="34" charset="0"/>
+              <a:buChar char="•"/>
+            </a:pPr>
+            <a:r>
+              <a:rPr lang="en-US" sz="2000" dirty="0"/>
+              <a:t>remove some states/region.</a:t>
+            </a:r>
+          </a:p>
+          <a:p>
+            <a:pPr marL="742950" lvl="1" indent="-285750">
+              <a:lnSpc>
+                <a:spcPct val="150000"/>
+              </a:lnSpc>
+              <a:buFont typeface="Arial" panose="020B0604020202020204" pitchFamily="34" charset="0"/>
+              <a:buChar char="•"/>
+            </a:pPr>
+            <a:r>
+              <a:rPr lang="en-US" sz="2000" dirty="0"/>
+              <a:t>change all the states in capital case into 2-letter abbreviation name.</a:t>
+            </a:r>
+          </a:p>
+          <a:p>
+            <a:pPr marL="285750" indent="-285750">
+              <a:buFont typeface="Arial" panose="020B0604020202020204" pitchFamily="34" charset="0"/>
+              <a:buChar char="•"/>
+            </a:pPr>
+            <a:endParaRPr lang="en-US" dirty="0"/>
+          </a:p>
+          <a:p>
+            <a:endParaRPr lang="en-US" dirty="0"/>
+          </a:p>
+        </p:txBody>
+      </p:sp>
+    </p:spTree>
+    <p:extLst>
+      <p:ext uri="{BB962C8B-B14F-4D97-AF65-F5344CB8AC3E}">
+        <p14:creationId xmlns:p14="http://schemas.microsoft.com/office/powerpoint/2010/main" val="1474574002"/>
+      </p:ext>
+    </p:extLst>
+  </p:cSld>
+  <p:clrMapOvr>
+    <a:masterClrMapping/>
+  </p:clrMapOvr>
+</p:sld>
+</file>
+
+<file path=ppt/slides/slide14.xml><?xml version="1.0" encoding="utf-8"?>
+<p:sld xmlns:a="http://schemas.openxmlformats.org/drawingml/2006/main" xmlns:r="http://schemas.openxmlformats.org/officeDocument/2006/relationships" xmlns:p="http://schemas.openxmlformats.org/presentationml/2006/main">
+  <p:cSld>
+    <p:spTree>
+      <p:nvGrpSpPr>
+        <p:cNvPr id="1" name="">
+          <a:extLst>
+            <a:ext uri="{FF2B5EF4-FFF2-40B4-BE49-F238E27FC236}">
+              <a16:creationId xmlns:a16="http://schemas.microsoft.com/office/drawing/2014/main" id="{B4DDC60F-FD74-F2DF-B25A-253AB5B6E1F9}"/>
+            </a:ext>
+          </a:extLst>
+        </p:cNvPr>
+        <p:cNvGrpSpPr/>
+        <p:nvPr/>
+      </p:nvGrpSpPr>
+      <p:grpSpPr>
+        <a:xfrm>
+          <a:off x="0" y="0"/>
+          <a:ext cx="0" cy="0"/>
+          <a:chOff x="0" y="0"/>
+          <a:chExt cx="0" cy="0"/>
+        </a:xfrm>
+      </p:grpSpPr>
+      <p:sp>
+        <p:nvSpPr>
+          <p:cNvPr id="2" name="Title 1">
+            <a:extLst>
+              <a:ext uri="{FF2B5EF4-FFF2-40B4-BE49-F238E27FC236}">
+                <a16:creationId xmlns:a16="http://schemas.microsoft.com/office/drawing/2014/main" id="{44E984E5-0199-D458-45C4-672041B662E2}"/>
+              </a:ext>
+            </a:extLst>
+          </p:cNvPr>
+          <p:cNvSpPr>
+            <a:spLocks noGrp="1"/>
+          </p:cNvSpPr>
+          <p:nvPr>
+            <p:ph type="title"/>
+          </p:nvPr>
+        </p:nvSpPr>
+        <p:spPr>
+          <a:xfrm>
+            <a:off x="2011910" y="177200"/>
+            <a:ext cx="4352081" cy="649224"/>
+          </a:xfrm>
+        </p:spPr>
+        <p:txBody>
+          <a:bodyPr/>
+          <a:lstStyle/>
+          <a:p>
+            <a:r>
+              <a:rPr lang="en-US"/>
+              <a:t>Processing The Data</a:t>
+            </a:r>
+            <a:endParaRPr lang="en-US" dirty="0"/>
+          </a:p>
+        </p:txBody>
+      </p:sp>
+      <p:pic>
+        <p:nvPicPr>
+          <p:cNvPr id="7" name="Picture Placeholder 4" descr="A close-up of a field">
+            <a:extLst>
+              <a:ext uri="{FF2B5EF4-FFF2-40B4-BE49-F238E27FC236}">
+                <a16:creationId xmlns:a16="http://schemas.microsoft.com/office/drawing/2014/main" id="{FA83D520-79CD-E863-E6A4-A76A0714ED90}"/>
+              </a:ext>
+            </a:extLst>
+          </p:cNvPr>
+          <p:cNvPicPr>
+            <a:picLocks noGrp="1" noChangeAspect="1"/>
+          </p:cNvPicPr>
+          <p:nvPr>
+            <p:ph type="pic" sz="quarter" idx="15"/>
+          </p:nvPr>
+        </p:nvPicPr>
+        <p:blipFill>
+          <a:blip r:embed="rId2"/>
+          <a:srcRect l="234" r="234"/>
+          <a:stretch/>
+        </p:blipFill>
+        <p:spPr>
+          <a:xfrm>
+            <a:off x="8348472" y="0"/>
+            <a:ext cx="3835968" cy="6858000"/>
+          </a:xfrm>
+        </p:spPr>
+      </p:pic>
+      <p:sp>
+        <p:nvSpPr>
+          <p:cNvPr id="5" name="Slide Number Placeholder 4">
+            <a:extLst>
+              <a:ext uri="{FF2B5EF4-FFF2-40B4-BE49-F238E27FC236}">
+                <a16:creationId xmlns:a16="http://schemas.microsoft.com/office/drawing/2014/main" id="{532E63AB-A915-0A1E-3911-DE8649B7CEA7}"/>
+              </a:ext>
+            </a:extLst>
+          </p:cNvPr>
+          <p:cNvSpPr>
+            <a:spLocks noGrp="1"/>
+          </p:cNvSpPr>
+          <p:nvPr>
+            <p:ph type="sldNum" sz="quarter" idx="4"/>
+          </p:nvPr>
+        </p:nvSpPr>
+        <p:spPr>
+          <a:xfrm>
+            <a:off x="9791700" y="6356350"/>
+            <a:ext cx="1562100" cy="365125"/>
+          </a:xfrm>
+        </p:spPr>
+        <p:txBody>
+          <a:bodyPr/>
+          <a:lstStyle/>
+          <a:p>
+            <a:fld id="{EA87306C-81BA-4795-A5CA-9392456A8C1E}" type="slidenum">
+              <a:rPr lang="en-US" smtClean="0"/>
+              <a:pPr/>
+              <a:t>14</a:t>
+            </a:fld>
+            <a:endParaRPr lang="en-US" dirty="0"/>
+          </a:p>
+        </p:txBody>
+      </p:sp>
+      <p:sp>
+        <p:nvSpPr>
+          <p:cNvPr id="4" name="TextBox 3">
+            <a:extLst>
+              <a:ext uri="{FF2B5EF4-FFF2-40B4-BE49-F238E27FC236}">
+                <a16:creationId xmlns:a16="http://schemas.microsoft.com/office/drawing/2014/main" id="{B1E87194-67C6-2865-9ABA-045E87FAE65E}"/>
+              </a:ext>
+            </a:extLst>
+          </p:cNvPr>
+          <p:cNvSpPr txBox="1"/>
+          <p:nvPr/>
+        </p:nvSpPr>
+        <p:spPr>
+          <a:xfrm>
+            <a:off x="670559" y="826425"/>
+            <a:ext cx="7193279" cy="2348592"/>
+          </a:xfrm>
+          <a:prstGeom prst="rect">
+            <a:avLst/>
+          </a:prstGeom>
+          <a:noFill/>
+        </p:spPr>
+        <p:txBody>
+          <a:bodyPr wrap="square" rtlCol="0">
+            <a:spAutoFit/>
+          </a:bodyPr>
+          <a:lstStyle/>
+          <a:p>
+            <a:pPr>
+              <a:lnSpc>
+                <a:spcPct val="150000"/>
+              </a:lnSpc>
+            </a:pPr>
+            <a:r>
+              <a:rPr lang="en-US" sz="2000" dirty="0"/>
+              <a:t>There were a few additional steps that were accomplished in the section.</a:t>
+            </a:r>
+          </a:p>
+          <a:p>
+            <a:pPr marL="285750" indent="-285750">
+              <a:lnSpc>
+                <a:spcPct val="150000"/>
+              </a:lnSpc>
+              <a:buFont typeface="Arial" panose="020B0604020202020204" pitchFamily="34" charset="0"/>
+              <a:buChar char="•"/>
+            </a:pPr>
+            <a:r>
+              <a:rPr lang="en-US" sz="2000" dirty="0"/>
+              <a:t>Calculate the crime rate</a:t>
+            </a:r>
+          </a:p>
+          <a:p>
+            <a:pPr marL="285750" indent="-285750">
+              <a:lnSpc>
+                <a:spcPct val="150000"/>
+              </a:lnSpc>
+              <a:buFont typeface="Arial" panose="020B0604020202020204" pitchFamily="34" charset="0"/>
+              <a:buChar char="•"/>
+            </a:pPr>
+            <a:r>
+              <a:rPr lang="en-US" sz="2000" dirty="0"/>
+              <a:t>Join relational tables</a:t>
+            </a:r>
+          </a:p>
+          <a:p>
+            <a:pPr>
+              <a:lnSpc>
+                <a:spcPct val="150000"/>
+              </a:lnSpc>
+            </a:pPr>
+            <a:r>
+              <a:rPr lang="en-US" sz="2000" dirty="0"/>
+              <a:t>The result is the following table.</a:t>
+            </a:r>
+          </a:p>
+        </p:txBody>
+      </p:sp>
+      <p:pic>
+        <p:nvPicPr>
+          <p:cNvPr id="9" name="Picture 8">
+            <a:extLst>
+              <a:ext uri="{FF2B5EF4-FFF2-40B4-BE49-F238E27FC236}">
+                <a16:creationId xmlns:a16="http://schemas.microsoft.com/office/drawing/2014/main" id="{8769D48A-FA6D-30FE-CA25-06547F811F20}"/>
+              </a:ext>
+            </a:extLst>
+          </p:cNvPr>
+          <p:cNvPicPr>
+            <a:picLocks noChangeAspect="1"/>
+          </p:cNvPicPr>
+          <p:nvPr/>
+        </p:nvPicPr>
+        <p:blipFill>
+          <a:blip r:embed="rId3"/>
+          <a:stretch>
+            <a:fillRect/>
+          </a:stretch>
+        </p:blipFill>
+        <p:spPr>
+          <a:xfrm>
+            <a:off x="1720208" y="3429000"/>
+            <a:ext cx="4935483" cy="2295311"/>
+          </a:xfrm>
+          <a:prstGeom prst="rect">
+            <a:avLst/>
+          </a:prstGeom>
+        </p:spPr>
+      </p:pic>
+      <p:sp>
+        <p:nvSpPr>
+          <p:cNvPr id="10" name="TextBox 9">
+            <a:extLst>
+              <a:ext uri="{FF2B5EF4-FFF2-40B4-BE49-F238E27FC236}">
+                <a16:creationId xmlns:a16="http://schemas.microsoft.com/office/drawing/2014/main" id="{9674D753-54A7-3BCC-B422-05CA810E378F}"/>
+              </a:ext>
+            </a:extLst>
+          </p:cNvPr>
+          <p:cNvSpPr txBox="1"/>
+          <p:nvPr/>
+        </p:nvSpPr>
+        <p:spPr>
+          <a:xfrm>
+            <a:off x="982980" y="5989320"/>
+            <a:ext cx="6003036" cy="923330"/>
+          </a:xfrm>
+          <a:prstGeom prst="rect">
+            <a:avLst/>
+          </a:prstGeom>
+          <a:noFill/>
+        </p:spPr>
+        <p:txBody>
+          <a:bodyPr wrap="square" rtlCol="0">
+            <a:spAutoFit/>
+          </a:bodyPr>
+          <a:lstStyle/>
+          <a:p>
+            <a:r>
+              <a:rPr lang="en-US" b="1" dirty="0"/>
+              <a:t>Note</a:t>
+            </a:r>
+            <a:r>
+              <a:rPr lang="en-US" dirty="0"/>
+              <a:t>: Additional information can be found in the accompanying HTML file.</a:t>
+            </a:r>
+          </a:p>
+          <a:p>
+            <a:endParaRPr lang="en-US" dirty="0"/>
+          </a:p>
+        </p:txBody>
+      </p:sp>
+    </p:spTree>
+    <p:extLst>
+      <p:ext uri="{BB962C8B-B14F-4D97-AF65-F5344CB8AC3E}">
+        <p14:creationId xmlns:p14="http://schemas.microsoft.com/office/powerpoint/2010/main" val="1450318345"/>
+      </p:ext>
+    </p:extLst>
+  </p:cSld>
+  <p:clrMapOvr>
+    <a:masterClrMapping/>
+  </p:clrMapOvr>
+</p:sld>
+</file>
+
+<file path=ppt/slides/slide15.xml><?xml version="1.0" encoding="utf-8"?>
+<p:sld xmlns:a="http://schemas.openxmlformats.org/drawingml/2006/main" xmlns:r="http://schemas.openxmlformats.org/officeDocument/2006/relationships" xmlns:p="http://schemas.openxmlformats.org/presentationml/2006/main">
+  <p:cSld>
+    <p:spTree>
+      <p:nvGrpSpPr>
+        <p:cNvPr id="1" name="">
+          <a:extLst>
+            <a:ext uri="{FF2B5EF4-FFF2-40B4-BE49-F238E27FC236}">
+              <a16:creationId xmlns:a16="http://schemas.microsoft.com/office/drawing/2014/main" id="{E9D81EFC-DE25-3EB0-150B-586B5C9F0ED9}"/>
+            </a:ext>
+          </a:extLst>
+        </p:cNvPr>
+        <p:cNvGrpSpPr/>
+        <p:nvPr/>
+      </p:nvGrpSpPr>
+      <p:grpSpPr>
+        <a:xfrm>
+          <a:off x="0" y="0"/>
+          <a:ext cx="0" cy="0"/>
+          <a:chOff x="0" y="0"/>
+          <a:chExt cx="0" cy="0"/>
+        </a:xfrm>
+      </p:grpSpPr>
+      <p:pic>
+        <p:nvPicPr>
+          <p:cNvPr id="5" name="Picture Placeholder 4" descr="A field of wheat with tracks in it">
+            <a:extLst>
+              <a:ext uri="{FF2B5EF4-FFF2-40B4-BE49-F238E27FC236}">
+                <a16:creationId xmlns:a16="http://schemas.microsoft.com/office/drawing/2014/main" id="{9816AEDF-DCCA-D445-F6ED-B0E91141B1F8}"/>
+              </a:ext>
+            </a:extLst>
+          </p:cNvPr>
+          <p:cNvPicPr>
+            <a:picLocks noGrp="1" noChangeAspect="1"/>
+          </p:cNvPicPr>
+          <p:nvPr>
+            <p:ph type="pic" sz="quarter" idx="10"/>
+          </p:nvPr>
+        </p:nvPicPr>
+        <p:blipFill>
+          <a:blip r:embed="rId2">
+            <a:alphaModFix amt="50000"/>
+          </a:blip>
+          <a:srcRect/>
+          <a:stretch/>
+        </p:blipFill>
+        <p:spPr>
+          <a:xfrm>
+            <a:off x="0" y="-2"/>
+            <a:ext cx="12192000" cy="6858000"/>
+          </a:xfrm>
+        </p:spPr>
+      </p:pic>
+      <p:sp>
+        <p:nvSpPr>
+          <p:cNvPr id="3" name="Title 2">
+            <a:extLst>
+              <a:ext uri="{FF2B5EF4-FFF2-40B4-BE49-F238E27FC236}">
+                <a16:creationId xmlns:a16="http://schemas.microsoft.com/office/drawing/2014/main" id="{F46763E7-840E-7E3C-4D0D-0757ECF3029C}"/>
+              </a:ext>
+            </a:extLst>
+          </p:cNvPr>
+          <p:cNvSpPr>
+            <a:spLocks noGrp="1"/>
+          </p:cNvSpPr>
+          <p:nvPr>
+            <p:ph type="title"/>
+          </p:nvPr>
+        </p:nvSpPr>
+        <p:spPr>
+          <a:xfrm>
+            <a:off x="777240" y="2335192"/>
+            <a:ext cx="10214851" cy="1596728"/>
+          </a:xfrm>
+        </p:spPr>
+        <p:txBody>
+          <a:bodyPr/>
+          <a:lstStyle/>
+          <a:p>
+            <a:r>
+              <a:rPr lang="en-US" sz="5400" dirty="0"/>
+              <a:t>Discussion and Conclusion</a:t>
+            </a:r>
+            <a:endParaRPr lang="en-US" dirty="0"/>
+          </a:p>
+        </p:txBody>
+      </p:sp>
+    </p:spTree>
+    <p:extLst>
+      <p:ext uri="{BB962C8B-B14F-4D97-AF65-F5344CB8AC3E}">
+        <p14:creationId xmlns:p14="http://schemas.microsoft.com/office/powerpoint/2010/main" val="340414527"/>
+      </p:ext>
+    </p:extLst>
+  </p:cSld>
+  <p:clrMapOvr>
+    <a:masterClrMapping/>
+  </p:clrMapOvr>
+</p:sld>
+</file>
+
+<file path=ppt/slides/slide16.xml><?xml version="1.0" encoding="utf-8"?>
+<p:sld xmlns:a="http://schemas.openxmlformats.org/drawingml/2006/main" xmlns:r="http://schemas.openxmlformats.org/officeDocument/2006/relationships" xmlns:p="http://schemas.openxmlformats.org/presentationml/2006/main">
+  <p:cSld>
+    <p:spTree>
+      <p:nvGrpSpPr>
+        <p:cNvPr id="1" name="">
+          <a:extLst>
+            <a:ext uri="{FF2B5EF4-FFF2-40B4-BE49-F238E27FC236}">
+              <a16:creationId xmlns:a16="http://schemas.microsoft.com/office/drawing/2014/main" id="{BB9BC4D9-9625-66BD-0857-26B8182670F8}"/>
+            </a:ext>
+          </a:extLst>
+        </p:cNvPr>
+        <p:cNvGrpSpPr/>
+        <p:nvPr/>
+      </p:nvGrpSpPr>
+      <p:grpSpPr>
+        <a:xfrm>
+          <a:off x="0" y="0"/>
+          <a:ext cx="0" cy="0"/>
+          <a:chOff x="0" y="0"/>
+          <a:chExt cx="0" cy="0"/>
+        </a:xfrm>
+      </p:grpSpPr>
+      <p:sp>
+        <p:nvSpPr>
+          <p:cNvPr id="2" name="Title 1">
+            <a:extLst>
+              <a:ext uri="{FF2B5EF4-FFF2-40B4-BE49-F238E27FC236}">
+                <a16:creationId xmlns:a16="http://schemas.microsoft.com/office/drawing/2014/main" id="{5533A28D-7A61-0CCA-3DEA-7F0051FDDAAF}"/>
+              </a:ext>
+            </a:extLst>
+          </p:cNvPr>
+          <p:cNvSpPr>
+            <a:spLocks noGrp="1"/>
+          </p:cNvSpPr>
+          <p:nvPr>
+            <p:ph type="title"/>
+          </p:nvPr>
+        </p:nvSpPr>
+        <p:spPr>
+          <a:xfrm>
+            <a:off x="859537" y="128016"/>
+            <a:ext cx="4727447" cy="649224"/>
+          </a:xfrm>
+        </p:spPr>
+        <p:txBody>
+          <a:bodyPr/>
+          <a:lstStyle/>
+          <a:p>
+            <a:r>
+              <a:rPr lang="en-US" sz="2400" dirty="0"/>
+              <a:t>Discussion and Conclusion</a:t>
+            </a:r>
+            <a:endParaRPr lang="en-US" dirty="0"/>
+          </a:p>
+        </p:txBody>
+      </p:sp>
+      <p:pic>
+        <p:nvPicPr>
+          <p:cNvPr id="7" name="Picture Placeholder 4" descr="A close-up of a field">
+            <a:extLst>
+              <a:ext uri="{FF2B5EF4-FFF2-40B4-BE49-F238E27FC236}">
+                <a16:creationId xmlns:a16="http://schemas.microsoft.com/office/drawing/2014/main" id="{6C4EAEA5-90AB-FAC0-F9B7-6D48BFB18D19}"/>
+              </a:ext>
+            </a:extLst>
+          </p:cNvPr>
+          <p:cNvPicPr>
+            <a:picLocks noGrp="1" noChangeAspect="1"/>
+          </p:cNvPicPr>
+          <p:nvPr>
+            <p:ph type="pic" sz="quarter" idx="15"/>
+          </p:nvPr>
+        </p:nvPicPr>
+        <p:blipFill>
+          <a:blip r:embed="rId2"/>
+          <a:srcRect l="234" r="234"/>
+          <a:stretch/>
+        </p:blipFill>
+        <p:spPr>
+          <a:xfrm>
+            <a:off x="6789480" y="0"/>
+            <a:ext cx="5394960" cy="6858000"/>
+          </a:xfrm>
+        </p:spPr>
+      </p:pic>
+      <p:sp>
+        <p:nvSpPr>
+          <p:cNvPr id="5" name="Slide Number Placeholder 4">
+            <a:extLst>
+              <a:ext uri="{FF2B5EF4-FFF2-40B4-BE49-F238E27FC236}">
+                <a16:creationId xmlns:a16="http://schemas.microsoft.com/office/drawing/2014/main" id="{4DA0511D-D520-F18B-916A-68CFCAA1AC9B}"/>
+              </a:ext>
+            </a:extLst>
+          </p:cNvPr>
+          <p:cNvSpPr>
+            <a:spLocks noGrp="1"/>
+          </p:cNvSpPr>
+          <p:nvPr>
+            <p:ph type="sldNum" sz="quarter" idx="4"/>
+          </p:nvPr>
+        </p:nvSpPr>
+        <p:spPr>
+          <a:xfrm>
+            <a:off x="9791700" y="6356350"/>
+            <a:ext cx="1562100" cy="365125"/>
+          </a:xfrm>
+        </p:spPr>
+        <p:txBody>
+          <a:bodyPr/>
+          <a:lstStyle/>
+          <a:p>
+            <a:fld id="{EA87306C-81BA-4795-A5CA-9392456A8C1E}" type="slidenum">
+              <a:rPr lang="en-US" smtClean="0"/>
+              <a:pPr/>
+              <a:t>16</a:t>
+            </a:fld>
+            <a:endParaRPr lang="en-US" dirty="0"/>
+          </a:p>
+        </p:txBody>
+      </p:sp>
+      <p:sp>
+        <p:nvSpPr>
           <p:cNvPr id="3" name="TextBox 2">
             <a:extLst>
               <a:ext uri="{FF2B5EF4-FFF2-40B4-BE49-F238E27FC236}">
-                <a16:creationId xmlns:a16="http://schemas.microsoft.com/office/drawing/2014/main" id="{28D44ADB-3311-0970-B457-8F29C7EC1933}"/>
+                <a16:creationId xmlns:a16="http://schemas.microsoft.com/office/drawing/2014/main" id="{927982EF-54C2-9E01-A4B2-49AEE625345D}"/>
               </a:ext>
             </a:extLst>
           </p:cNvPr>
@@ -6747,7 +7481,368 @@
     </p:spTree>
     <p:extLst>
       <p:ext uri="{BB962C8B-B14F-4D97-AF65-F5344CB8AC3E}">
-        <p14:creationId xmlns:p14="http://schemas.microsoft.com/office/powerpoint/2010/main" val="1474574002"/>
+        <p14:creationId xmlns:p14="http://schemas.microsoft.com/office/powerpoint/2010/main" val="3233249846"/>
+      </p:ext>
+    </p:extLst>
+  </p:cSld>
+  <p:clrMapOvr>
+    <a:masterClrMapping/>
+  </p:clrMapOvr>
+</p:sld>
+</file>
+
+<file path=ppt/slides/slide17.xml><?xml version="1.0" encoding="utf-8"?>
+<p:sld xmlns:a="http://schemas.openxmlformats.org/drawingml/2006/main" xmlns:r="http://schemas.openxmlformats.org/officeDocument/2006/relationships" xmlns:p="http://schemas.openxmlformats.org/presentationml/2006/main">
+  <p:cSld>
+    <p:spTree>
+      <p:nvGrpSpPr>
+        <p:cNvPr id="1" name="">
+          <a:extLst>
+            <a:ext uri="{FF2B5EF4-FFF2-40B4-BE49-F238E27FC236}">
+              <a16:creationId xmlns:a16="http://schemas.microsoft.com/office/drawing/2014/main" id="{CCEAA059-31D4-73F1-C94D-6655D670BCBB}"/>
+            </a:ext>
+          </a:extLst>
+        </p:cNvPr>
+        <p:cNvGrpSpPr/>
+        <p:nvPr/>
+      </p:nvGrpSpPr>
+      <p:grpSpPr>
+        <a:xfrm>
+          <a:off x="0" y="0"/>
+          <a:ext cx="0" cy="0"/>
+          <a:chOff x="0" y="0"/>
+          <a:chExt cx="0" cy="0"/>
+        </a:xfrm>
+      </p:grpSpPr>
+      <p:pic>
+        <p:nvPicPr>
+          <p:cNvPr id="5" name="Picture Placeholder 4" descr="A field of wheat with tracks in it">
+            <a:extLst>
+              <a:ext uri="{FF2B5EF4-FFF2-40B4-BE49-F238E27FC236}">
+                <a16:creationId xmlns:a16="http://schemas.microsoft.com/office/drawing/2014/main" id="{DA601539-B464-DEAC-6F11-C3E70080532E}"/>
+              </a:ext>
+            </a:extLst>
+          </p:cNvPr>
+          <p:cNvPicPr>
+            <a:picLocks noGrp="1" noChangeAspect="1"/>
+          </p:cNvPicPr>
+          <p:nvPr>
+            <p:ph type="pic" sz="quarter" idx="10"/>
+          </p:nvPr>
+        </p:nvPicPr>
+        <p:blipFill>
+          <a:blip r:embed="rId2">
+            <a:alphaModFix amt="50000"/>
+          </a:blip>
+          <a:srcRect/>
+          <a:stretch/>
+        </p:blipFill>
+        <p:spPr>
+          <a:xfrm>
+            <a:off x="0" y="-2"/>
+            <a:ext cx="12192000" cy="6858000"/>
+          </a:xfrm>
+        </p:spPr>
+      </p:pic>
+      <p:sp>
+        <p:nvSpPr>
+          <p:cNvPr id="3" name="Title 2">
+            <a:extLst>
+              <a:ext uri="{FF2B5EF4-FFF2-40B4-BE49-F238E27FC236}">
+                <a16:creationId xmlns:a16="http://schemas.microsoft.com/office/drawing/2014/main" id="{83680B72-6383-1979-D7C6-841CD6CCE16C}"/>
+              </a:ext>
+            </a:extLst>
+          </p:cNvPr>
+          <p:cNvSpPr>
+            <a:spLocks noGrp="1"/>
+          </p:cNvSpPr>
+          <p:nvPr>
+            <p:ph type="title"/>
+          </p:nvPr>
+        </p:nvSpPr>
+        <p:spPr>
+          <a:xfrm>
+            <a:off x="950976" y="2335192"/>
+            <a:ext cx="10041115" cy="1450424"/>
+          </a:xfrm>
+        </p:spPr>
+        <p:txBody>
+          <a:bodyPr/>
+          <a:lstStyle/>
+          <a:p>
+            <a:r>
+              <a:rPr lang="en-US" dirty="0"/>
+              <a:t>5. References</a:t>
+            </a:r>
+          </a:p>
+        </p:txBody>
+      </p:sp>
+    </p:spTree>
+    <p:extLst>
+      <p:ext uri="{BB962C8B-B14F-4D97-AF65-F5344CB8AC3E}">
+        <p14:creationId xmlns:p14="http://schemas.microsoft.com/office/powerpoint/2010/main" val="3989751406"/>
+      </p:ext>
+    </p:extLst>
+  </p:cSld>
+  <p:clrMapOvr>
+    <a:masterClrMapping/>
+  </p:clrMapOvr>
+</p:sld>
+</file>
+
+<file path=ppt/slides/slide18.xml><?xml version="1.0" encoding="utf-8"?>
+<p:sld xmlns:a="http://schemas.openxmlformats.org/drawingml/2006/main" xmlns:r="http://schemas.openxmlformats.org/officeDocument/2006/relationships" xmlns:p="http://schemas.openxmlformats.org/presentationml/2006/main">
+  <p:cSld>
+    <p:spTree>
+      <p:nvGrpSpPr>
+        <p:cNvPr id="1" name="">
+          <a:extLst>
+            <a:ext uri="{FF2B5EF4-FFF2-40B4-BE49-F238E27FC236}">
+              <a16:creationId xmlns:a16="http://schemas.microsoft.com/office/drawing/2014/main" id="{5DA341F3-5CA2-2A20-A719-9E0E5C11F114}"/>
+            </a:ext>
+          </a:extLst>
+        </p:cNvPr>
+        <p:cNvGrpSpPr/>
+        <p:nvPr/>
+      </p:nvGrpSpPr>
+      <p:grpSpPr>
+        <a:xfrm>
+          <a:off x="0" y="0"/>
+          <a:ext cx="0" cy="0"/>
+          <a:chOff x="0" y="0"/>
+          <a:chExt cx="0" cy="0"/>
+        </a:xfrm>
+      </p:grpSpPr>
+      <p:sp>
+        <p:nvSpPr>
+          <p:cNvPr id="2" name="Title 1">
+            <a:extLst>
+              <a:ext uri="{FF2B5EF4-FFF2-40B4-BE49-F238E27FC236}">
+                <a16:creationId xmlns:a16="http://schemas.microsoft.com/office/drawing/2014/main" id="{02760A33-7857-F9AC-528D-68D1A9AF23D9}"/>
+              </a:ext>
+            </a:extLst>
+          </p:cNvPr>
+          <p:cNvSpPr>
+            <a:spLocks noGrp="1"/>
+          </p:cNvSpPr>
+          <p:nvPr>
+            <p:ph type="title"/>
+          </p:nvPr>
+        </p:nvSpPr>
+        <p:spPr>
+          <a:xfrm>
+            <a:off x="2373099" y="173736"/>
+            <a:ext cx="4352081" cy="649224"/>
+          </a:xfrm>
+        </p:spPr>
+        <p:txBody>
+          <a:bodyPr/>
+          <a:lstStyle/>
+          <a:p>
+            <a:r>
+              <a:rPr lang="en-US" dirty="0"/>
+              <a:t>Processing The Data</a:t>
+            </a:r>
+          </a:p>
+        </p:txBody>
+      </p:sp>
+      <p:pic>
+        <p:nvPicPr>
+          <p:cNvPr id="7" name="Picture Placeholder 4" descr="A close-up of a field">
+            <a:extLst>
+              <a:ext uri="{FF2B5EF4-FFF2-40B4-BE49-F238E27FC236}">
+                <a16:creationId xmlns:a16="http://schemas.microsoft.com/office/drawing/2014/main" id="{667BE038-F346-9330-2BDA-4752792E4507}"/>
+              </a:ext>
+            </a:extLst>
+          </p:cNvPr>
+          <p:cNvPicPr>
+            <a:picLocks noGrp="1" noChangeAspect="1"/>
+          </p:cNvPicPr>
+          <p:nvPr>
+            <p:ph type="pic" sz="quarter" idx="15"/>
+          </p:nvPr>
+        </p:nvPicPr>
+        <p:blipFill>
+          <a:blip r:embed="rId2"/>
+          <a:srcRect l="234" r="234"/>
+          <a:stretch/>
+        </p:blipFill>
+        <p:spPr>
+          <a:xfrm>
+            <a:off x="9528048" y="0"/>
+            <a:ext cx="2656392" cy="6858000"/>
+          </a:xfrm>
+        </p:spPr>
+      </p:pic>
+      <p:sp>
+        <p:nvSpPr>
+          <p:cNvPr id="5" name="Slide Number Placeholder 4">
+            <a:extLst>
+              <a:ext uri="{FF2B5EF4-FFF2-40B4-BE49-F238E27FC236}">
+                <a16:creationId xmlns:a16="http://schemas.microsoft.com/office/drawing/2014/main" id="{EF2CD697-7986-5400-B352-42FBB4D4633D}"/>
+              </a:ext>
+            </a:extLst>
+          </p:cNvPr>
+          <p:cNvSpPr>
+            <a:spLocks noGrp="1"/>
+          </p:cNvSpPr>
+          <p:nvPr>
+            <p:ph type="sldNum" sz="quarter" idx="4"/>
+          </p:nvPr>
+        </p:nvSpPr>
+        <p:spPr>
+          <a:xfrm>
+            <a:off x="9791700" y="6356350"/>
+            <a:ext cx="1562100" cy="365125"/>
+          </a:xfrm>
+        </p:spPr>
+        <p:txBody>
+          <a:bodyPr/>
+          <a:lstStyle/>
+          <a:p>
+            <a:fld id="{EA87306C-81BA-4795-A5CA-9392456A8C1E}" type="slidenum">
+              <a:rPr lang="en-US" smtClean="0"/>
+              <a:pPr/>
+              <a:t>18</a:t>
+            </a:fld>
+            <a:endParaRPr lang="en-US" dirty="0"/>
+          </a:p>
+        </p:txBody>
+      </p:sp>
+      <p:sp>
+        <p:nvSpPr>
+          <p:cNvPr id="3" name="TextBox 2">
+            <a:extLst>
+              <a:ext uri="{FF2B5EF4-FFF2-40B4-BE49-F238E27FC236}">
+                <a16:creationId xmlns:a16="http://schemas.microsoft.com/office/drawing/2014/main" id="{51097912-BB87-E847-8C95-ABA30CDD3F49}"/>
+              </a:ext>
+            </a:extLst>
+          </p:cNvPr>
+          <p:cNvSpPr txBox="1"/>
+          <p:nvPr/>
+        </p:nvSpPr>
+        <p:spPr>
+          <a:xfrm>
+            <a:off x="237744" y="1719072"/>
+            <a:ext cx="8622792" cy="4954754"/>
+          </a:xfrm>
+          <a:prstGeom prst="rect">
+            <a:avLst/>
+          </a:prstGeom>
+          <a:noFill/>
+        </p:spPr>
+        <p:txBody>
+          <a:bodyPr wrap="square" rtlCol="0">
+            <a:spAutoFit/>
+          </a:bodyPr>
+          <a:lstStyle/>
+          <a:p>
+            <a:pPr>
+              <a:lnSpc>
+                <a:spcPct val="150000"/>
+              </a:lnSpc>
+            </a:pPr>
+            <a:r>
+              <a:rPr lang="en-US" sz="2000" dirty="0"/>
+              <a:t>Fallahi, F., &amp; Rodríguez, G. (2014). Link between unemployment and crime in the US: A Markov-Switching approach. </a:t>
+            </a:r>
+            <a:r>
+              <a:rPr lang="en-US" sz="2000" i="1" dirty="0"/>
+              <a:t>ScienceDirect</a:t>
+            </a:r>
+            <a:r>
+              <a:rPr lang="en-US" sz="2000" dirty="0"/>
+              <a:t>.</a:t>
+            </a:r>
+          </a:p>
+          <a:p>
+            <a:pPr>
+              <a:lnSpc>
+                <a:spcPct val="150000"/>
+              </a:lnSpc>
+            </a:pPr>
+            <a:endParaRPr lang="en-US" sz="2000" dirty="0"/>
+          </a:p>
+          <a:p>
+            <a:pPr>
+              <a:lnSpc>
+                <a:spcPct val="150000"/>
+              </a:lnSpc>
+            </a:pPr>
+            <a:r>
+              <a:rPr lang="en-US" sz="2000" dirty="0"/>
+              <a:t>Question Video: Identifying the Linear Correlation from the Scattergraph, Nagwa. (n.d.). </a:t>
+            </a:r>
+            <a:r>
+              <a:rPr lang="en-US" sz="2000" i="1" dirty="0"/>
+              <a:t>Identifying the Linear Correlation from the Scattergraph </a:t>
+            </a:r>
+            <a:r>
+              <a:rPr lang="en-US" sz="2000" dirty="0"/>
+              <a:t>[Video]. Nagwa. </a:t>
+            </a:r>
+            <a:r>
+              <a:rPr lang="en-US" sz="2000" dirty="0">
+                <a:hlinkClick r:id="rId3"/>
+              </a:rPr>
+              <a:t>https://www.nagwa.com/en/videos/909167139353/</a:t>
+            </a:r>
+            <a:endParaRPr lang="en-US" sz="2000" dirty="0"/>
+          </a:p>
+          <a:p>
+            <a:pPr>
+              <a:lnSpc>
+                <a:spcPct val="150000"/>
+              </a:lnSpc>
+            </a:pPr>
+            <a:endParaRPr lang="en-US" sz="2000" dirty="0"/>
+          </a:p>
+          <a:p>
+            <a:pPr>
+              <a:lnSpc>
+                <a:spcPct val="150000"/>
+              </a:lnSpc>
+            </a:pPr>
+            <a:r>
+              <a:rPr lang="en-US" sz="2000" dirty="0"/>
+              <a:t>Soetewey, A. (2020, May 28). </a:t>
+            </a:r>
+            <a:r>
+              <a:rPr lang="en-US" sz="2000" i="1" dirty="0"/>
+              <a:t>Correlation coefficient and correlation test in R. Stats and R</a:t>
+            </a:r>
+            <a:r>
+              <a:rPr lang="en-US" sz="2000" dirty="0"/>
+              <a:t>. Retrieved February 13, 2025, from </a:t>
+            </a:r>
+            <a:r>
+              <a:rPr lang="en-US" sz="2000" dirty="0">
+                <a:hlinkClick r:id="rId4"/>
+              </a:rPr>
+              <a:t>https://statsandr.com/blog/correlation-coefficient-and-correlation-test-in-r</a:t>
+            </a:r>
+            <a:r>
+              <a:rPr lang="en-US" sz="2000" b="1" dirty="0">
+                <a:hlinkClick r:id="rId4"/>
+              </a:rPr>
+              <a:t>/</a:t>
+            </a:r>
+            <a:endParaRPr lang="en-US" sz="2000" b="1" dirty="0"/>
+          </a:p>
+          <a:p>
+            <a:pPr>
+              <a:lnSpc>
+                <a:spcPct val="150000"/>
+              </a:lnSpc>
+            </a:pPr>
+            <a:endParaRPr lang="en-US" sz="1200" b="1" dirty="0"/>
+          </a:p>
+        </p:txBody>
+      </p:sp>
+    </p:spTree>
+    <p:extLst>
+      <p:ext uri="{BB962C8B-B14F-4D97-AF65-F5344CB8AC3E}">
+        <p14:creationId xmlns:p14="http://schemas.microsoft.com/office/powerpoint/2010/main" val="2804118390"/>
       </p:ext>
     </p:extLst>
   </p:cSld>
@@ -6880,7 +7975,7 @@
         <p:spPr>
           <a:xfrm>
             <a:off x="7351776" y="2071688"/>
-            <a:ext cx="4257612" cy="2732087"/>
+            <a:ext cx="4416552" cy="2732087"/>
           </a:xfrm>
         </p:spPr>
         <p:txBody>
@@ -7036,7 +8131,7 @@
           <a:p>
             <a:r>
               <a:rPr lang="en-US" dirty="0"/>
-              <a:t>1. Data</a:t>
+              <a:t>1. The Data</a:t>
             </a:r>
           </a:p>
         </p:txBody>
@@ -7799,8 +8894,8 @@
         </p:blipFill>
         <p:spPr>
           <a:xfrm>
-            <a:off x="6789480" y="0"/>
-            <a:ext cx="5394960" cy="6858000"/>
+            <a:off x="7680960" y="0"/>
+            <a:ext cx="4503480" cy="6858000"/>
           </a:xfrm>
         </p:spPr>
       </p:pic>
@@ -7854,7 +8949,7 @@
         <p:spPr>
           <a:xfrm>
             <a:off x="301752" y="886968"/>
-            <a:ext cx="6099047" cy="5908605"/>
+            <a:ext cx="6830568" cy="5446940"/>
           </a:xfrm>
           <a:prstGeom prst="rect">
             <a:avLst/>
@@ -7887,7 +8982,15 @@
             </a:pPr>
             <a:r>
               <a:rPr lang="en-US" sz="2000" dirty="0"/>
-              <a:t>Read the data from the CSV files into individual data frames. Section: 3.0.1 .</a:t>
+              <a:t>Read the data from the CSV files into individual data frames. </a:t>
+            </a:r>
+            <a:r>
+              <a:rPr lang="en-US" sz="2000" b="1" dirty="0"/>
+              <a:t>Section: 3.0.1 </a:t>
+            </a:r>
+            <a:r>
+              <a:rPr lang="en-US" sz="2000" dirty="0"/>
+              <a:t>.</a:t>
             </a:r>
           </a:p>
           <a:p>
@@ -7900,7 +9003,15 @@
             </a:pPr>
             <a:r>
               <a:rPr lang="en-US" sz="2000" dirty="0"/>
-              <a:t>Remove the parts of the United States that are not contiguous. Section: 3.0.2 .</a:t>
+              <a:t>Remove the parts of the United States that are not contiguous. </a:t>
+            </a:r>
+            <a:r>
+              <a:rPr lang="en-US" sz="2000" b="1" dirty="0"/>
+              <a:t>Section: 3.0.2 </a:t>
+            </a:r>
+            <a:r>
+              <a:rPr lang="en-US" sz="2000" dirty="0"/>
+              <a:t>.</a:t>
             </a:r>
           </a:p>
           <a:p>
@@ -7913,7 +9024,11 @@
             </a:pPr>
             <a:r>
               <a:rPr lang="en-US" sz="2000" dirty="0"/>
-              <a:t>Process the unemployment rate data. Section: 3.0.3</a:t>
+              <a:t>Process the unemployment rate data. Section: </a:t>
+            </a:r>
+            <a:r>
+              <a:rPr lang="en-US" sz="2000" b="1" dirty="0"/>
+              <a:t>3.0.3</a:t>
             </a:r>
           </a:p>
           <a:p>
@@ -7926,7 +9041,11 @@
             </a:pPr>
             <a:r>
               <a:rPr lang="en-US" sz="2000" dirty="0"/>
-              <a:t>Process the crime rate data. Section: 3.0.4</a:t>
+              <a:t>Process the crime rate data. </a:t>
+            </a:r>
+            <a:r>
+              <a:rPr lang="en-US" sz="2000" b="1" dirty="0"/>
+              <a:t>Section: 3.0.4</a:t>
             </a:r>
           </a:p>
           <a:p>
@@ -7939,7 +9058,11 @@
             </a:pPr>
             <a:r>
               <a:rPr lang="en-US" sz="2000" dirty="0"/>
-              <a:t>Join relational tables. Section: 3.0.6</a:t>
+              <a:t>Join relational tables. </a:t>
+            </a:r>
+            <a:r>
+              <a:rPr lang="en-US" sz="2000" b="1" dirty="0"/>
+              <a:t>Section: 3.0.6</a:t>
             </a:r>
           </a:p>
           <a:p>
@@ -7952,7 +9075,11 @@
             </a:pPr>
             <a:r>
               <a:rPr lang="en-US" sz="2000" dirty="0"/>
-              <a:t>Save the final combined and cleaned data. Section: 3.0.7</a:t>
+              <a:t>Save the final combined and cleaned data. </a:t>
+            </a:r>
+            <a:r>
+              <a:rPr lang="en-US" sz="2000" b="1" dirty="0"/>
+              <a:t>Section: 3.0.7</a:t>
             </a:r>
           </a:p>
           <a:p>
@@ -8157,7 +9284,15 @@
             </a:pPr>
             <a:r>
               <a:rPr lang="en-US" sz="2000" dirty="0"/>
-              <a:t>Read the data from the CSV files into individual data frames. Section: 3.0.1 :</a:t>
+              <a:t>Read the data from the CSV files into individual data frames. </a:t>
+            </a:r>
+            <a:r>
+              <a:rPr lang="en-US" sz="2000" b="1" dirty="0"/>
+              <a:t>Section: 3.0.1 </a:t>
+            </a:r>
+            <a:r>
+              <a:rPr lang="en-US" sz="2000" dirty="0"/>
+              <a:t>:</a:t>
             </a:r>
           </a:p>
           <a:p>
